--- a/presentations/Build ELTE.pptx
+++ b/presentations/Build ELTE.pptx
@@ -3646,7 +3646,7 @@
           <a:lstStyle/>
           <a:p>
             <a:r>
-              <a:rPr lang="en-US" dirty="0" smtClean="0">
+              <a:rPr lang="hu-HU" smtClean="0">
                 <a:effectLst>
                   <a:outerShdw blurRad="38100" dist="38100" dir="2700000" algn="tl">
                     <a:srgbClr val="000000">
@@ -3655,7 +3655,7 @@
                   </a:outerShdw>
                 </a:effectLst>
               </a:rPr>
-              <a:t>Maven</a:t>
+              <a:t>Building</a:t>
             </a:r>
             <a:endParaRPr lang="en-US" dirty="0">
               <a:effectLst>
@@ -13844,21 +13844,21 @@
 </file>
 
 <file path=customXml/item1.xml><?xml version="1.0" encoding="utf-8"?>
+<?mso-contentType ?>
+<FormTemplates xmlns="http://schemas.microsoft.com/sharepoint/v3/contenttype/forms">
+  <Display>DocumentLibraryForm</Display>
+  <Edit>DocumentLibraryForm</Edit>
+  <New>DocumentLibraryForm</New>
+</FormTemplates>
+</file>
+
+<file path=customXml/item2.xml><?xml version="1.0" encoding="utf-8"?>
 <p:properties xmlns:p="http://schemas.microsoft.com/office/2006/metadata/properties" xmlns:xsi="http://www.w3.org/2001/XMLSchema-instance" xmlns:pc="http://schemas.microsoft.com/office/infopath/2007/PartnerControls">
   <documentManagement>
     <PublishingExpirationDate xmlns="http://schemas.microsoft.com/sharepoint/v3" xsi:nil="true"/>
     <PublishingStartDate xmlns="http://schemas.microsoft.com/sharepoint/v3" xsi:nil="true"/>
   </documentManagement>
 </p:properties>
-</file>
-
-<file path=customXml/item2.xml><?xml version="1.0" encoding="utf-8"?>
-<?mso-contentType ?>
-<FormTemplates xmlns="http://schemas.microsoft.com/sharepoint/v3/contenttype/forms">
-  <Display>DocumentLibraryForm</Display>
-  <Edit>DocumentLibraryForm</Edit>
-  <New>DocumentLibraryForm</New>
-</FormTemplates>
 </file>
 
 <file path=customXml/item3.xml><?xml version="1.0" encoding="utf-8"?>
@@ -13994,6 +13994,14 @@
 </file>
 
 <file path=customXml/itemProps1.xml><?xml version="1.0" encoding="utf-8"?>
+<ds:datastoreItem xmlns:ds="http://schemas.openxmlformats.org/officeDocument/2006/customXml" ds:itemID="{14883F0F-DE57-4ECA-B9BB-F22E8C5B5D82}">
+  <ds:schemaRefs>
+    <ds:schemaRef ds:uri="http://schemas.microsoft.com/sharepoint/v3/contenttype/forms"/>
+  </ds:schemaRefs>
+</ds:datastoreItem>
+</file>
+
+<file path=customXml/itemProps2.xml><?xml version="1.0" encoding="utf-8"?>
 <ds:datastoreItem xmlns:ds="http://schemas.openxmlformats.org/officeDocument/2006/customXml" ds:itemID="{D5E3C081-4081-47AD-A9A6-9F18F525DA1D}">
   <ds:schemaRefs>
     <ds:schemaRef ds:uri="http://schemas.openxmlformats.org/package/2006/metadata/core-properties"/>
@@ -14005,14 +14013,6 @@
     <ds:schemaRef ds:uri="http://schemas.microsoft.com/office/infopath/2007/PartnerControls"/>
     <ds:schemaRef ds:uri="http://schemas.microsoft.com/office/2006/metadata/properties"/>
     <ds:schemaRef ds:uri="http://purl.org/dc/dcmitype/"/>
-  </ds:schemaRefs>
-</ds:datastoreItem>
-</file>
-
-<file path=customXml/itemProps2.xml><?xml version="1.0" encoding="utf-8"?>
-<ds:datastoreItem xmlns:ds="http://schemas.openxmlformats.org/officeDocument/2006/customXml" ds:itemID="{14883F0F-DE57-4ECA-B9BB-F22E8C5B5D82}">
-  <ds:schemaRefs>
-    <ds:schemaRef ds:uri="http://schemas.microsoft.com/sharepoint/v3/contenttype/forms"/>
   </ds:schemaRefs>
 </ds:datastoreItem>
 </file>
